--- a/prezentacja/Prezentacja.pptx
+++ b/prezentacja/Prezentacja.pptx
@@ -258,7 +258,7 @@
           <a:p>
             <a:fld id="{68CB1D26-BB93-42CB-A7BB-F9EE85CF31CD}" type="datetimeFigureOut">
               <a:rPr lang="pl-PL" smtClean="0"/>
-              <a:t>2017-01-31</a:t>
+              <a:t>2017-02-01</a:t>
             </a:fld>
             <a:endParaRPr lang="pl-PL"/>
           </a:p>
@@ -426,7 +426,7 @@
           <a:p>
             <a:fld id="{68CB1D26-BB93-42CB-A7BB-F9EE85CF31CD}" type="datetimeFigureOut">
               <a:rPr lang="pl-PL" smtClean="0"/>
-              <a:t>2017-01-31</a:t>
+              <a:t>2017-02-01</a:t>
             </a:fld>
             <a:endParaRPr lang="pl-PL"/>
           </a:p>
@@ -604,7 +604,7 @@
           <a:p>
             <a:fld id="{68CB1D26-BB93-42CB-A7BB-F9EE85CF31CD}" type="datetimeFigureOut">
               <a:rPr lang="pl-PL" smtClean="0"/>
-              <a:t>2017-01-31</a:t>
+              <a:t>2017-02-01</a:t>
             </a:fld>
             <a:endParaRPr lang="pl-PL"/>
           </a:p>
@@ -772,7 +772,7 @@
           <a:p>
             <a:fld id="{68CB1D26-BB93-42CB-A7BB-F9EE85CF31CD}" type="datetimeFigureOut">
               <a:rPr lang="pl-PL" smtClean="0"/>
-              <a:t>2017-01-31</a:t>
+              <a:t>2017-02-01</a:t>
             </a:fld>
             <a:endParaRPr lang="pl-PL"/>
           </a:p>
@@ -1017,7 +1017,7 @@
           <a:p>
             <a:fld id="{68CB1D26-BB93-42CB-A7BB-F9EE85CF31CD}" type="datetimeFigureOut">
               <a:rPr lang="pl-PL" smtClean="0"/>
-              <a:t>2017-01-31</a:t>
+              <a:t>2017-02-01</a:t>
             </a:fld>
             <a:endParaRPr lang="pl-PL"/>
           </a:p>
@@ -1246,7 +1246,7 @@
           <a:p>
             <a:fld id="{68CB1D26-BB93-42CB-A7BB-F9EE85CF31CD}" type="datetimeFigureOut">
               <a:rPr lang="pl-PL" smtClean="0"/>
-              <a:t>2017-01-31</a:t>
+              <a:t>2017-02-01</a:t>
             </a:fld>
             <a:endParaRPr lang="pl-PL"/>
           </a:p>
@@ -1610,7 +1610,7 @@
           <a:p>
             <a:fld id="{68CB1D26-BB93-42CB-A7BB-F9EE85CF31CD}" type="datetimeFigureOut">
               <a:rPr lang="pl-PL" smtClean="0"/>
-              <a:t>2017-01-31</a:t>
+              <a:t>2017-02-01</a:t>
             </a:fld>
             <a:endParaRPr lang="pl-PL"/>
           </a:p>
@@ -1727,7 +1727,7 @@
           <a:p>
             <a:fld id="{68CB1D26-BB93-42CB-A7BB-F9EE85CF31CD}" type="datetimeFigureOut">
               <a:rPr lang="pl-PL" smtClean="0"/>
-              <a:t>2017-01-31</a:t>
+              <a:t>2017-02-01</a:t>
             </a:fld>
             <a:endParaRPr lang="pl-PL"/>
           </a:p>
@@ -1822,7 +1822,7 @@
           <a:p>
             <a:fld id="{68CB1D26-BB93-42CB-A7BB-F9EE85CF31CD}" type="datetimeFigureOut">
               <a:rPr lang="pl-PL" smtClean="0"/>
-              <a:t>2017-01-31</a:t>
+              <a:t>2017-02-01</a:t>
             </a:fld>
             <a:endParaRPr lang="pl-PL"/>
           </a:p>
@@ -2097,7 +2097,7 @@
           <a:p>
             <a:fld id="{68CB1D26-BB93-42CB-A7BB-F9EE85CF31CD}" type="datetimeFigureOut">
               <a:rPr lang="pl-PL" smtClean="0"/>
-              <a:t>2017-01-31</a:t>
+              <a:t>2017-02-01</a:t>
             </a:fld>
             <a:endParaRPr lang="pl-PL"/>
           </a:p>
@@ -2349,7 +2349,7 @@
           <a:p>
             <a:fld id="{68CB1D26-BB93-42CB-A7BB-F9EE85CF31CD}" type="datetimeFigureOut">
               <a:rPr lang="pl-PL" smtClean="0"/>
-              <a:t>2017-01-31</a:t>
+              <a:t>2017-02-01</a:t>
             </a:fld>
             <a:endParaRPr lang="pl-PL"/>
           </a:p>
@@ -2560,7 +2560,7 @@
           <a:p>
             <a:fld id="{68CB1D26-BB93-42CB-A7BB-F9EE85CF31CD}" type="datetimeFigureOut">
               <a:rPr lang="pl-PL" smtClean="0"/>
-              <a:t>2017-01-31</a:t>
+              <a:t>2017-02-01</a:t>
             </a:fld>
             <a:endParaRPr lang="pl-PL"/>
           </a:p>
@@ -3510,8 +3510,8 @@
         </p:blipFill>
         <p:spPr>
           <a:xfrm>
-            <a:off x="5167603" y="877078"/>
-            <a:ext cx="4506686" cy="4506686"/>
+            <a:off x="5167603" y="608630"/>
+            <a:ext cx="5763252" cy="5763252"/>
           </a:xfrm>
           <a:prstGeom prst="rect">
             <a:avLst/>
@@ -3773,8 +3773,8 @@
         </p:blipFill>
         <p:spPr>
           <a:xfrm>
-            <a:off x="6587331" y="1825625"/>
-            <a:ext cx="4351338" cy="4351338"/>
+            <a:off x="6019800" y="1258094"/>
+            <a:ext cx="5334000" cy="5334000"/>
           </a:xfrm>
         </p:spPr>
       </p:pic>
@@ -3928,8 +3928,8 @@
         </p:blipFill>
         <p:spPr>
           <a:xfrm>
-            <a:off x="970384" y="1542678"/>
-            <a:ext cx="4634285" cy="4634285"/>
+            <a:off x="503339" y="1291905"/>
+            <a:ext cx="5352103" cy="5352103"/>
           </a:xfrm>
         </p:spPr>
       </p:pic>
@@ -5236,7 +5236,7 @@
       </p:pic>
       <p:pic>
         <p:nvPicPr>
-          <p:cNvPr id="6" name="Obraz 5"/>
+          <p:cNvPr id="7" name="Obraz 6"/>
           <p:cNvPicPr>
             <a:picLocks noChangeAspect="1"/>
           </p:cNvPicPr>
@@ -5250,42 +5250,13 @@
               </a:ext>
             </a:extLst>
           </a:blip>
-          <a:srcRect r="80522" b="83265"/>
-          <a:stretch/>
-        </p:blipFill>
-        <p:spPr>
-          <a:xfrm>
-            <a:off x="8587273" y="4019953"/>
-            <a:ext cx="1335833" cy="1147665"/>
-          </a:xfrm>
-          <a:prstGeom prst="rect">
-            <a:avLst/>
-          </a:prstGeom>
-        </p:spPr>
-      </p:pic>
-      <p:pic>
-        <p:nvPicPr>
-          <p:cNvPr id="7" name="Obraz 6"/>
-          <p:cNvPicPr>
-            <a:picLocks noChangeAspect="1"/>
-          </p:cNvPicPr>
-          <p:nvPr/>
-        </p:nvPicPr>
-        <p:blipFill rotWithShape="1">
-          <a:blip r:embed="rId4">
-            <a:extLst>
-              <a:ext uri="{28A0092B-C50C-407E-A947-70E740481C1C}">
-                <a14:useLocalDpi xmlns:a14="http://schemas.microsoft.com/office/drawing/2010/main" val="0"/>
-              </a:ext>
-            </a:extLst>
-          </a:blip>
           <a:srcRect r="84739" b="86667"/>
           <a:stretch/>
         </p:blipFill>
         <p:spPr>
           <a:xfrm>
-            <a:off x="8587273" y="5192785"/>
-            <a:ext cx="1046584" cy="914400"/>
+            <a:off x="8587272" y="4026717"/>
+            <a:ext cx="2612031" cy="2282130"/>
           </a:xfrm>
           <a:prstGeom prst="rect">
             <a:avLst/>
@@ -5534,7 +5505,7 @@
             <a:pPr lvl="1"/>
             <a:r>
               <a:rPr lang="pl-PL" dirty="0"/>
-              <a:t>Wykonywania innych specjalnych operacji (efekty specjalne)</a:t>
+              <a:t>Wykonywania innych operacji graficznych (efekty specjalne)</a:t>
             </a:r>
           </a:p>
           <a:p>
